--- a/設計模式-結構型模式V1.pptx
+++ b/設計模式-結構型模式V1.pptx
@@ -5,10 +5,10 @@
     <p:sldMasterId id="2147483660" r:id="rId1"/>
   </p:sldMasterIdLst>
   <p:notesMasterIdLst>
-    <p:notesMasterId r:id="rId69"/>
+    <p:notesMasterId r:id="rId70"/>
   </p:notesMasterIdLst>
   <p:handoutMasterIdLst>
-    <p:handoutMasterId r:id="rId70"/>
+    <p:handoutMasterId r:id="rId71"/>
   </p:handoutMasterIdLst>
   <p:sldIdLst>
     <p:sldId id="256" r:id="rId2"/>
@@ -78,6 +78,7 @@
     <p:sldId id="434" r:id="rId66"/>
     <p:sldId id="435" r:id="rId67"/>
     <p:sldId id="436" r:id="rId68"/>
+    <p:sldId id="437" r:id="rId69"/>
   </p:sldIdLst>
   <p:sldSz cx="12192000" cy="6858000"/>
   <p:notesSz cx="6858000" cy="9144000"/>
@@ -231,7 +232,7 @@
             <p14:sldId id="407"/>
           </p14:sldIdLst>
         </p14:section>
-        <p14:section name="組合" id="{D48DDFBA-092D-4413-A2B1-CF77E7CA95A3}">
+        <p14:section name="組合 Composite" id="{D48DDFBA-092D-4413-A2B1-CF77E7CA95A3}">
           <p14:sldIdLst>
             <p14:sldId id="347"/>
             <p14:sldId id="348"/>
@@ -284,6 +285,11 @@
             <p14:sldId id="434"/>
             <p14:sldId id="435"/>
             <p14:sldId id="436"/>
+          </p14:sldIdLst>
+        </p14:section>
+        <p14:section name="用SOLID比對" id="{9825B7B2-305C-4811-950D-838C5F880FCC}">
+          <p14:sldIdLst>
+            <p14:sldId id="437"/>
           </p14:sldIdLst>
         </p14:section>
       </p14:sectionLst>
@@ -9448,6 +9454,127 @@
     <p:extLst>
       <p:ext uri="{BB962C8B-B14F-4D97-AF65-F5344CB8AC3E}">
         <p14:creationId xmlns:p14="http://schemas.microsoft.com/office/powerpoint/2010/main" val="1879531291"/>
+      </p:ext>
+    </p:extLst>
+  </p:cSld>
+  <p:clrMapOvr>
+    <a:masterClrMapping/>
+  </p:clrMapOvr>
+</p:sld>
+</file>
+
+<file path=ppt/slides/slide68.xml><?xml version="1.0" encoding="utf-8"?>
+<p:sld xmlns:a="http://schemas.openxmlformats.org/drawingml/2006/main" xmlns:r="http://schemas.openxmlformats.org/officeDocument/2006/relationships" xmlns:p="http://schemas.openxmlformats.org/presentationml/2006/main">
+  <p:cSld>
+    <p:spTree>
+      <p:nvGrpSpPr>
+        <p:cNvPr id="1" name=""/>
+        <p:cNvGrpSpPr/>
+        <p:nvPr/>
+      </p:nvGrpSpPr>
+      <p:grpSpPr>
+        <a:xfrm>
+          <a:off x="0" y="0"/>
+          <a:ext cx="0" cy="0"/>
+          <a:chOff x="0" y="0"/>
+          <a:chExt cx="0" cy="0"/>
+        </a:xfrm>
+      </p:grpSpPr>
+      <p:sp>
+        <p:nvSpPr>
+          <p:cNvPr id="2" name="標題 1">
+            <a:extLst>
+              <a:ext uri="{FF2B5EF4-FFF2-40B4-BE49-F238E27FC236}">
+                <a16:creationId xmlns:a16="http://schemas.microsoft.com/office/drawing/2014/main" id="{2ED2BAB7-9513-57F3-D963-3B48A04493A8}"/>
+              </a:ext>
+            </a:extLst>
+          </p:cNvPr>
+          <p:cNvSpPr>
+            <a:spLocks noGrp="1"/>
+          </p:cNvSpPr>
+          <p:nvPr>
+            <p:ph type="title"/>
+          </p:nvPr>
+        </p:nvSpPr>
+        <p:spPr/>
+        <p:txBody>
+          <a:bodyPr/>
+          <a:lstStyle/>
+          <a:p>
+            <a:r>
+              <a:rPr lang="zh-TW" altLang="en-US" dirty="0"/>
+              <a:t>用</a:t>
+            </a:r>
+            <a:r>
+              <a:rPr lang="en-US" altLang="zh-TW" dirty="0"/>
+              <a:t>SOLID</a:t>
+            </a:r>
+            <a:r>
+              <a:rPr lang="zh-TW" altLang="en-US" dirty="0"/>
+              <a:t>比對</a:t>
+            </a:r>
+          </a:p>
+        </p:txBody>
+      </p:sp>
+      <p:sp>
+        <p:nvSpPr>
+          <p:cNvPr id="3" name="內容版面配置區 2">
+            <a:extLst>
+              <a:ext uri="{FF2B5EF4-FFF2-40B4-BE49-F238E27FC236}">
+                <a16:creationId xmlns:a16="http://schemas.microsoft.com/office/drawing/2014/main" id="{BEE52C45-2B09-88A4-D222-5D262AD6B037}"/>
+              </a:ext>
+            </a:extLst>
+          </p:cNvPr>
+          <p:cNvSpPr>
+            <a:spLocks noGrp="1"/>
+          </p:cNvSpPr>
+          <p:nvPr>
+            <p:ph sz="quarter" idx="10"/>
+          </p:nvPr>
+        </p:nvSpPr>
+        <p:spPr/>
+        <p:txBody>
+          <a:bodyPr/>
+          <a:lstStyle/>
+          <a:p>
+            <a:endParaRPr lang="zh-TW" altLang="en-US"/>
+          </a:p>
+        </p:txBody>
+      </p:sp>
+      <p:pic>
+        <p:nvPicPr>
+          <p:cNvPr id="5" name="圖片 4">
+            <a:extLst>
+              <a:ext uri="{FF2B5EF4-FFF2-40B4-BE49-F238E27FC236}">
+                <a16:creationId xmlns:a16="http://schemas.microsoft.com/office/drawing/2014/main" id="{D4C0382C-0101-3EDB-F225-2294FA2A6F66}"/>
+              </a:ext>
+            </a:extLst>
+          </p:cNvPr>
+          <p:cNvPicPr>
+            <a:picLocks noChangeAspect="1"/>
+          </p:cNvPicPr>
+          <p:nvPr/>
+        </p:nvPicPr>
+        <p:blipFill>
+          <a:blip r:embed="rId2"/>
+          <a:stretch>
+            <a:fillRect/>
+          </a:stretch>
+        </p:blipFill>
+        <p:spPr>
+          <a:xfrm>
+            <a:off x="2108172" y="1550082"/>
+            <a:ext cx="7097115" cy="4210638"/>
+          </a:xfrm>
+          <a:prstGeom prst="rect">
+            <a:avLst/>
+          </a:prstGeom>
+        </p:spPr>
+      </p:pic>
+    </p:spTree>
+    <p:extLst>
+      <p:ext uri="{BB962C8B-B14F-4D97-AF65-F5344CB8AC3E}">
+        <p14:creationId xmlns:p14="http://schemas.microsoft.com/office/powerpoint/2010/main" val="1516413218"/>
       </p:ext>
     </p:extLst>
   </p:cSld>

--- a/設計模式-結構型模式V1.pptx
+++ b/設計模式-結構型模式V1.pptx
@@ -5,10 +5,10 @@
     <p:sldMasterId id="2147483660" r:id="rId1"/>
   </p:sldMasterIdLst>
   <p:notesMasterIdLst>
-    <p:notesMasterId r:id="rId70"/>
+    <p:notesMasterId r:id="rId71"/>
   </p:notesMasterIdLst>
   <p:handoutMasterIdLst>
-    <p:handoutMasterId r:id="rId71"/>
+    <p:handoutMasterId r:id="rId72"/>
   </p:handoutMasterIdLst>
   <p:sldIdLst>
     <p:sldId id="256" r:id="rId2"/>
@@ -79,6 +79,7 @@
     <p:sldId id="435" r:id="rId67"/>
     <p:sldId id="436" r:id="rId68"/>
     <p:sldId id="437" r:id="rId69"/>
+    <p:sldId id="438" r:id="rId70"/>
   </p:sldIdLst>
   <p:sldSz cx="12192000" cy="6858000"/>
   <p:notesSz cx="6858000" cy="9144000"/>
@@ -290,6 +291,11 @@
         <p14:section name="用SOLID比對" id="{9825B7B2-305C-4811-950D-838C5F880FCC}">
           <p14:sldIdLst>
             <p14:sldId id="437"/>
+          </p14:sldIdLst>
+        </p14:section>
+        <p14:section name="用SOLID比對" id="{4795CC11-B8A8-4FF8-A729-B9E37CD34464}">
+          <p14:sldIdLst>
+            <p14:sldId id="438"/>
           </p14:sldIdLst>
         </p14:section>
       </p14:sectionLst>
@@ -9575,6 +9581,133 @@
     <p:extLst>
       <p:ext uri="{BB962C8B-B14F-4D97-AF65-F5344CB8AC3E}">
         <p14:creationId xmlns:p14="http://schemas.microsoft.com/office/powerpoint/2010/main" val="1516413218"/>
+      </p:ext>
+    </p:extLst>
+  </p:cSld>
+  <p:clrMapOvr>
+    <a:masterClrMapping/>
+  </p:clrMapOvr>
+</p:sld>
+</file>
+
+<file path=ppt/slides/slide69.xml><?xml version="1.0" encoding="utf-8"?>
+<p:sld xmlns:a="http://schemas.openxmlformats.org/drawingml/2006/main" xmlns:r="http://schemas.openxmlformats.org/officeDocument/2006/relationships" xmlns:p="http://schemas.openxmlformats.org/presentationml/2006/main">
+  <p:cSld>
+    <p:spTree>
+      <p:nvGrpSpPr>
+        <p:cNvPr id="1" name="">
+          <a:extLst>
+            <a:ext uri="{FF2B5EF4-FFF2-40B4-BE49-F238E27FC236}">
+              <a16:creationId xmlns:a16="http://schemas.microsoft.com/office/drawing/2014/main" id="{18B1B8A2-4A55-DBB3-601D-E5B2FE91360C}"/>
+            </a:ext>
+          </a:extLst>
+        </p:cNvPr>
+        <p:cNvGrpSpPr/>
+        <p:nvPr/>
+      </p:nvGrpSpPr>
+      <p:grpSpPr>
+        <a:xfrm>
+          <a:off x="0" y="0"/>
+          <a:ext cx="0" cy="0"/>
+          <a:chOff x="0" y="0"/>
+          <a:chExt cx="0" cy="0"/>
+        </a:xfrm>
+      </p:grpSpPr>
+      <p:sp>
+        <p:nvSpPr>
+          <p:cNvPr id="2" name="標題 1">
+            <a:extLst>
+              <a:ext uri="{FF2B5EF4-FFF2-40B4-BE49-F238E27FC236}">
+                <a16:creationId xmlns:a16="http://schemas.microsoft.com/office/drawing/2014/main" id="{A651F8CD-CC59-E38F-BA48-5F6A54975A3F}"/>
+              </a:ext>
+            </a:extLst>
+          </p:cNvPr>
+          <p:cNvSpPr>
+            <a:spLocks noGrp="1"/>
+          </p:cNvSpPr>
+          <p:nvPr>
+            <p:ph type="title"/>
+          </p:nvPr>
+        </p:nvSpPr>
+        <p:spPr/>
+        <p:txBody>
+          <a:bodyPr/>
+          <a:lstStyle/>
+          <a:p>
+            <a:r>
+              <a:rPr lang="zh-TW" altLang="en-US" dirty="0"/>
+              <a:t>用</a:t>
+            </a:r>
+            <a:r>
+              <a:rPr lang="en-US" altLang="zh-TW" dirty="0"/>
+              <a:t>SOLID</a:t>
+            </a:r>
+            <a:r>
+              <a:rPr lang="zh-TW" altLang="en-US" dirty="0"/>
+              <a:t>比對</a:t>
+            </a:r>
+          </a:p>
+        </p:txBody>
+      </p:sp>
+      <p:sp>
+        <p:nvSpPr>
+          <p:cNvPr id="3" name="內容版面配置區 2">
+            <a:extLst>
+              <a:ext uri="{FF2B5EF4-FFF2-40B4-BE49-F238E27FC236}">
+                <a16:creationId xmlns:a16="http://schemas.microsoft.com/office/drawing/2014/main" id="{3BBF7388-68D3-2CB1-5B16-9B69507D6E9B}"/>
+              </a:ext>
+            </a:extLst>
+          </p:cNvPr>
+          <p:cNvSpPr>
+            <a:spLocks noGrp="1"/>
+          </p:cNvSpPr>
+          <p:nvPr>
+            <p:ph sz="quarter" idx="10"/>
+          </p:nvPr>
+        </p:nvSpPr>
+        <p:spPr/>
+        <p:txBody>
+          <a:bodyPr/>
+          <a:lstStyle/>
+          <a:p>
+            <a:endParaRPr lang="zh-TW" altLang="en-US"/>
+          </a:p>
+        </p:txBody>
+      </p:sp>
+      <p:pic>
+        <p:nvPicPr>
+          <p:cNvPr id="6" name="圖片 5">
+            <a:extLst>
+              <a:ext uri="{FF2B5EF4-FFF2-40B4-BE49-F238E27FC236}">
+                <a16:creationId xmlns:a16="http://schemas.microsoft.com/office/drawing/2014/main" id="{853B0C25-B3E2-0053-BA9B-0ECE9006C6B8}"/>
+              </a:ext>
+            </a:extLst>
+          </p:cNvPr>
+          <p:cNvPicPr>
+            <a:picLocks noChangeAspect="1"/>
+          </p:cNvPicPr>
+          <p:nvPr/>
+        </p:nvPicPr>
+        <p:blipFill>
+          <a:blip r:embed="rId2"/>
+          <a:stretch>
+            <a:fillRect/>
+          </a:stretch>
+        </p:blipFill>
+        <p:spPr>
+          <a:xfrm>
+            <a:off x="2154623" y="1637253"/>
+            <a:ext cx="7144747" cy="4772691"/>
+          </a:xfrm>
+          <a:prstGeom prst="rect">
+            <a:avLst/>
+          </a:prstGeom>
+        </p:spPr>
+      </p:pic>
+    </p:spTree>
+    <p:extLst>
+      <p:ext uri="{BB962C8B-B14F-4D97-AF65-F5344CB8AC3E}">
+        <p14:creationId xmlns:p14="http://schemas.microsoft.com/office/powerpoint/2010/main" val="12386531"/>
       </p:ext>
     </p:extLst>
   </p:cSld>
